--- a/AUD_Vali/Zustandsautomaten.pptx
+++ b/AUD_Vali/Zustandsautomaten.pptx
@@ -5,10 +5,10 @@
     <p:sldMasterId id="2147483660" r:id="rId4"/>
   </p:sldMasterIdLst>
   <p:notesMasterIdLst>
-    <p:notesMasterId r:id="rId16"/>
+    <p:notesMasterId r:id="rId17"/>
   </p:notesMasterIdLst>
   <p:handoutMasterIdLst>
-    <p:handoutMasterId r:id="rId17"/>
+    <p:handoutMasterId r:id="rId18"/>
   </p:handoutMasterIdLst>
   <p:sldIdLst>
     <p:sldId id="278" r:id="rId5"/>
@@ -21,7 +21,8 @@
     <p:sldId id="285" r:id="rId12"/>
     <p:sldId id="286" r:id="rId13"/>
     <p:sldId id="287" r:id="rId14"/>
-    <p:sldId id="288" r:id="rId15"/>
+    <p:sldId id="289" r:id="rId15"/>
+    <p:sldId id="288" r:id="rId16"/>
   </p:sldIdLst>
   <p:sldSz cx="12192000" cy="6858000"/>
   <p:notesSz cx="6858000" cy="9144000"/>
@@ -213,7 +214,7 @@
           <a:p>
             <a:fld id="{D2761137-B2F4-44A2-AEA9-B8D72975A05F}" type="datetime1">
               <a:rPr lang="de-DE" smtClean="0"/>
-              <a:t>28.03.2022</a:t>
+              <a:t>04.04.2022</a:t>
             </a:fld>
             <a:endParaRPr lang="de-DE" dirty="0"/>
           </a:p>
@@ -381,7 +382,7 @@
             <a:pPr rtl="0"/>
             <a:fld id="{E546253B-BE88-45C5-9ABC-A8414C168BD1}" type="datetime1">
               <a:rPr lang="de-DE" noProof="0" smtClean="0"/>
-              <a:t>28.03.2022</a:t>
+              <a:t>04.04.2022</a:t>
             </a:fld>
             <a:endParaRPr lang="de-DE" noProof="0" dirty="0"/>
           </a:p>
@@ -1070,7 +1071,7 @@
             <a:pPr rtl="0"/>
             <a:fld id="{E758FE69-3F99-4550-AA00-A7FF61BF76EA}" type="datetime1">
               <a:rPr lang="de-DE" noProof="0" smtClean="0"/>
-              <a:t>28.03.2022</a:t>
+              <a:t>04.04.2022</a:t>
             </a:fld>
             <a:endParaRPr lang="de-DE" noProof="0" dirty="0"/>
           </a:p>
@@ -1380,7 +1381,7 @@
             <a:pPr rtl="0"/>
             <a:fld id="{B61AEB60-0CF2-4FDF-8809-8AC51494D5F5}" type="datetime1">
               <a:rPr lang="de-DE" noProof="0" smtClean="0"/>
-              <a:t>28.03.2022</a:t>
+              <a:t>04.04.2022</a:t>
             </a:fld>
             <a:endParaRPr lang="de-DE" noProof="0" dirty="0"/>
           </a:p>
@@ -1578,7 +1579,7 @@
             <a:pPr rtl="0"/>
             <a:fld id="{358AF836-13A8-46EF-A2AE-6F658367FD73}" type="datetime1">
               <a:rPr lang="de-DE" noProof="0" smtClean="0"/>
-              <a:t>28.03.2022</a:t>
+              <a:t>04.04.2022</a:t>
             </a:fld>
             <a:endParaRPr lang="de-DE" noProof="0" dirty="0"/>
           </a:p>
@@ -1845,7 +1846,7 @@
             <a:pPr rtl="0"/>
             <a:fld id="{851DFE2F-C573-4D62-882A-E8846EF03C0C}" type="datetime1">
               <a:rPr lang="de-DE" noProof="0" smtClean="0"/>
-              <a:t>28.03.2022</a:t>
+              <a:t>04.04.2022</a:t>
             </a:fld>
             <a:endParaRPr lang="de-DE" noProof="0" dirty="0"/>
           </a:p>
@@ -2285,7 +2286,7 @@
             <a:pPr rtl="0"/>
             <a:fld id="{328E20CA-0CA2-4574-B1D6-69C8C65EED42}" type="datetime1">
               <a:rPr lang="de-DE" noProof="0" smtClean="0"/>
-              <a:t>28.03.2022</a:t>
+              <a:t>04.04.2022</a:t>
             </a:fld>
             <a:endParaRPr lang="de-DE" noProof="0" dirty="0"/>
           </a:p>
@@ -2826,7 +2827,7 @@
             <a:pPr rtl="0"/>
             <a:fld id="{509B9F8F-6639-463B-9FB3-42044123F51F}" type="datetime1">
               <a:rPr lang="de-DE" noProof="0" smtClean="0"/>
-              <a:t>28.03.2022</a:t>
+              <a:t>04.04.2022</a:t>
             </a:fld>
             <a:endParaRPr lang="de-DE" noProof="0" dirty="0"/>
           </a:p>
@@ -3715,7 +3716,7 @@
             <a:pPr rtl="0"/>
             <a:fld id="{069E6A23-504C-403E-B76B-B05505FCD76B}" type="datetime1">
               <a:rPr lang="de-DE" noProof="0" smtClean="0"/>
-              <a:t>28.03.2022</a:t>
+              <a:t>04.04.2022</a:t>
             </a:fld>
             <a:endParaRPr lang="de-DE" noProof="0" dirty="0"/>
           </a:p>
@@ -3889,7 +3890,7 @@
             <a:pPr rtl="0"/>
             <a:fld id="{9468F14C-D4F1-40B6-B1AD-A03EDAA6725D}" type="datetime1">
               <a:rPr lang="de-DE" noProof="0" smtClean="0"/>
-              <a:t>28.03.2022</a:t>
+              <a:t>04.04.2022</a:t>
             </a:fld>
             <a:endParaRPr lang="de-DE" noProof="0" dirty="0"/>
           </a:p>
@@ -4137,7 +4138,7 @@
             <a:pPr rtl="0"/>
             <a:fld id="{AEC8E1CE-31A4-4DC1-9A14-A1FDAD407674}" type="datetime1">
               <a:rPr lang="de-DE" noProof="0" smtClean="0"/>
-              <a:t>28.03.2022</a:t>
+              <a:t>04.04.2022</a:t>
             </a:fld>
             <a:endParaRPr lang="de-DE" noProof="0" dirty="0"/>
           </a:p>
@@ -4383,7 +4384,7 @@
             <a:pPr rtl="0"/>
             <a:fld id="{8FE3744A-5A44-4BFF-92AA-16DA5E94BB83}" type="datetime1">
               <a:rPr lang="de-DE" noProof="0" smtClean="0"/>
-              <a:t>28.03.2022</a:t>
+              <a:t>04.04.2022</a:t>
             </a:fld>
             <a:endParaRPr lang="de-DE" noProof="0" dirty="0"/>
           </a:p>
@@ -4870,7 +4871,7 @@
             <a:pPr rtl="0"/>
             <a:fld id="{6DEDD9AE-23AE-4EB7-B3DB-242A1D8478FB}" type="datetime1">
               <a:rPr lang="de-DE" noProof="0" smtClean="0"/>
-              <a:t>28.03.2022</a:t>
+              <a:t>04.04.2022</a:t>
             </a:fld>
             <a:endParaRPr lang="de-DE" noProof="0" dirty="0"/>
           </a:p>
@@ -4992,7 +4993,7 @@
             <a:pPr rtl="0"/>
             <a:fld id="{BF42FB20-1F3E-43B9-A22C-6B636C25391A}" type="datetime1">
               <a:rPr lang="de-DE" noProof="0" smtClean="0"/>
-              <a:t>28.03.2022</a:t>
+              <a:t>04.04.2022</a:t>
             </a:fld>
             <a:endParaRPr lang="de-DE" noProof="0" dirty="0"/>
           </a:p>
@@ -5090,7 +5091,7 @@
             <a:pPr rtl="0"/>
             <a:fld id="{667D78AD-A707-44D8-98C7-2E5BF17C114E}" type="datetime1">
               <a:rPr lang="de-DE" noProof="0" smtClean="0"/>
-              <a:t>28.03.2022</a:t>
+              <a:t>04.04.2022</a:t>
             </a:fld>
             <a:endParaRPr lang="de-DE" noProof="0" dirty="0"/>
           </a:p>
@@ -5349,7 +5350,7 @@
             <a:pPr rtl="0"/>
             <a:fld id="{B7CDB1FF-C55B-4D31-A515-83B796043DD6}" type="datetime1">
               <a:rPr lang="de-DE" noProof="0" smtClean="0"/>
-              <a:t>28.03.2022</a:t>
+              <a:t>04.04.2022</a:t>
             </a:fld>
             <a:endParaRPr lang="de-DE" noProof="0" dirty="0"/>
           </a:p>
@@ -5661,7 +5662,7 @@
             <a:pPr rtl="0"/>
             <a:fld id="{65B3AE0C-9D3B-493D-AE1C-E837EBD1A420}" type="datetime1">
               <a:rPr lang="de-DE" noProof="0" smtClean="0"/>
-              <a:t>28.03.2022</a:t>
+              <a:t>04.04.2022</a:t>
             </a:fld>
             <a:endParaRPr lang="de-DE" noProof="0" dirty="0"/>
           </a:p>
@@ -5897,7 +5898,7 @@
             <a:pPr rtl="0"/>
             <a:fld id="{68BEABDA-98C7-4D1F-B6BB-CA7E2F630F9B}" type="datetime1">
               <a:rPr lang="de-DE" noProof="0" smtClean="0"/>
-              <a:t>28.03.2022</a:t>
+              <a:t>04.04.2022</a:t>
             </a:fld>
             <a:endParaRPr lang="de-DE" noProof="0" dirty="0"/>
           </a:p>
@@ -6817,7 +6818,7 @@
           </a:effectLst>
           <a:extLst>
             <a:ext uri="{91240B29-F687-4f45-9708-019B960494DF}">
-              <a14:hiddenLine xmlns="" xmlns:a14="http://schemas.microsoft.com/office/drawing/2010/main" xmlns:a16="http://schemas.microsoft.com/office/drawing/2014/main" xmlns:p14="http://schemas.microsoft.com/office/powerpoint/2010/main" w="9525">
+              <a14:hiddenLine xmlns:p14="http://schemas.microsoft.com/office/powerpoint/2010/main" xmlns:a16="http://schemas.microsoft.com/office/drawing/2014/main" xmlns:a14="http://schemas.microsoft.com/office/drawing/2010/main" xmlns="" w="9525">
                 <a:solidFill>
                   <a:srgbClr val="000000"/>
                 </a:solidFill>
@@ -7061,6 +7062,247 @@
 </file>
 
 <file path=ppt/slides/slide11.xml><?xml version="1.0" encoding="utf-8"?>
+<p:sld xmlns:a="http://schemas.openxmlformats.org/drawingml/2006/main" xmlns:r="http://schemas.openxmlformats.org/officeDocument/2006/relationships" xmlns:p="http://schemas.openxmlformats.org/presentationml/2006/main">
+  <p:cSld>
+    <p:spTree>
+      <p:nvGrpSpPr>
+        <p:cNvPr id="1" name=""/>
+        <p:cNvGrpSpPr/>
+        <p:nvPr/>
+      </p:nvGrpSpPr>
+      <p:grpSpPr>
+        <a:xfrm>
+          <a:off x="0" y="0"/>
+          <a:ext cx="0" cy="0"/>
+          <a:chOff x="0" y="0"/>
+          <a:chExt cx="0" cy="0"/>
+        </a:xfrm>
+      </p:grpSpPr>
+      <p:sp>
+        <p:nvSpPr>
+          <p:cNvPr id="4" name="Titel 3">
+            <a:extLst>
+              <a:ext uri="{FF2B5EF4-FFF2-40B4-BE49-F238E27FC236}">
+                <a16:creationId xmlns:a16="http://schemas.microsoft.com/office/drawing/2014/main" id="{CE215642-8DFF-4249-9DB1-6C56B1916663}"/>
+              </a:ext>
+            </a:extLst>
+          </p:cNvPr>
+          <p:cNvSpPr>
+            <a:spLocks noGrp="1"/>
+          </p:cNvSpPr>
+          <p:nvPr>
+            <p:ph type="title"/>
+          </p:nvPr>
+        </p:nvSpPr>
+        <p:spPr/>
+        <p:txBody>
+          <a:bodyPr/>
+          <a:lstStyle/>
+          <a:p>
+            <a:r>
+              <a:rPr lang="en-US" dirty="0" err="1"/>
+              <a:t>Übung</a:t>
+            </a:r>
+            <a:endParaRPr lang="en-US" dirty="0"/>
+          </a:p>
+        </p:txBody>
+      </p:sp>
+      <p:sp>
+        <p:nvSpPr>
+          <p:cNvPr id="5" name="Inhaltsplatzhalter 4">
+            <a:extLst>
+              <a:ext uri="{FF2B5EF4-FFF2-40B4-BE49-F238E27FC236}">
+                <a16:creationId xmlns:a16="http://schemas.microsoft.com/office/drawing/2014/main" id="{4DF5CB1D-B63C-40F6-B226-DEBA74D86E2B}"/>
+              </a:ext>
+            </a:extLst>
+          </p:cNvPr>
+          <p:cNvSpPr>
+            <a:spLocks noGrp="1"/>
+          </p:cNvSpPr>
+          <p:nvPr>
+            <p:ph idx="1"/>
+          </p:nvPr>
+        </p:nvSpPr>
+        <p:spPr/>
+        <p:txBody>
+          <a:bodyPr/>
+          <a:lstStyle/>
+          <a:p>
+            <a:r>
+              <a:rPr lang="en-US" dirty="0" err="1"/>
+              <a:t>Szenario</a:t>
+            </a:r>
+            <a:r>
+              <a:rPr lang="en-US" dirty="0"/>
+              <a:t>: Es </a:t>
+            </a:r>
+            <a:r>
+              <a:rPr lang="en-US" dirty="0" err="1"/>
+              <a:t>gibt</a:t>
+            </a:r>
+            <a:r>
+              <a:rPr lang="en-US" dirty="0"/>
+              <a:t> </a:t>
+            </a:r>
+            <a:r>
+              <a:rPr lang="en-US" dirty="0" err="1"/>
+              <a:t>einen</a:t>
+            </a:r>
+            <a:r>
+              <a:rPr lang="en-US" dirty="0"/>
+              <a:t> </a:t>
+            </a:r>
+            <a:r>
+              <a:rPr lang="en-US" dirty="0" err="1"/>
+              <a:t>Schüler</a:t>
+            </a:r>
+            <a:r>
+              <a:rPr lang="en-US" dirty="0"/>
+              <a:t>, der je </a:t>
+            </a:r>
+            <a:r>
+              <a:rPr lang="en-US" dirty="0" err="1"/>
+              <a:t>nach</a:t>
+            </a:r>
+            <a:r>
+              <a:rPr lang="en-US" dirty="0"/>
+              <a:t> </a:t>
+            </a:r>
+            <a:r>
+              <a:rPr lang="en-US" dirty="0" err="1"/>
+              <a:t>Erreichen</a:t>
+            </a:r>
+            <a:r>
+              <a:rPr lang="en-US" dirty="0"/>
+              <a:t> </a:t>
+            </a:r>
+            <a:r>
+              <a:rPr lang="en-US" dirty="0" err="1"/>
+              <a:t>einer</a:t>
+            </a:r>
+            <a:r>
+              <a:rPr lang="en-US" dirty="0"/>
+              <a:t> </a:t>
+            </a:r>
+            <a:r>
+              <a:rPr lang="en-US" dirty="0" err="1"/>
+              <a:t>Punktzahl</a:t>
+            </a:r>
+            <a:r>
+              <a:rPr lang="en-US" dirty="0"/>
+              <a:t> </a:t>
+            </a:r>
+            <a:r>
+              <a:rPr lang="en-US" dirty="0" err="1"/>
+              <a:t>eine</a:t>
+            </a:r>
+            <a:r>
+              <a:rPr lang="en-US" dirty="0"/>
+              <a:t> Note </a:t>
+            </a:r>
+            <a:r>
+              <a:rPr lang="en-US" dirty="0" err="1"/>
+              <a:t>zwischen</a:t>
+            </a:r>
+            <a:r>
+              <a:rPr lang="en-US" dirty="0"/>
+              <a:t> 1-5 </a:t>
+            </a:r>
+            <a:r>
+              <a:rPr lang="en-US" dirty="0" err="1"/>
+              <a:t>bekommt</a:t>
+            </a:r>
+            <a:r>
+              <a:rPr lang="en-US" dirty="0"/>
+              <a:t>.</a:t>
+            </a:r>
+          </a:p>
+          <a:p>
+            <a:r>
+              <a:rPr lang="en-US" dirty="0"/>
+              <a:t>Aufgabe: C# </a:t>
+            </a:r>
+            <a:r>
+              <a:rPr lang="en-US" dirty="0" err="1"/>
+              <a:t>Applikation</a:t>
+            </a:r>
+            <a:r>
+              <a:rPr lang="en-US" dirty="0"/>
+              <a:t> </a:t>
+            </a:r>
+            <a:r>
+              <a:rPr lang="en-US" dirty="0" err="1"/>
+              <a:t>bauen</a:t>
+            </a:r>
+            <a:r>
+              <a:rPr lang="en-US" dirty="0"/>
+              <a:t>, </a:t>
+            </a:r>
+            <a:r>
+              <a:rPr lang="en-US" dirty="0" err="1"/>
+              <a:t>ähnlich</a:t>
+            </a:r>
+            <a:r>
+              <a:rPr lang="en-US" dirty="0"/>
+              <a:t> </a:t>
+            </a:r>
+            <a:r>
+              <a:rPr lang="en-US" dirty="0" err="1"/>
+              <a:t>wie</a:t>
+            </a:r>
+            <a:r>
+              <a:rPr lang="en-US" dirty="0"/>
+              <a:t> </a:t>
+            </a:r>
+            <a:r>
+              <a:rPr lang="en-US" dirty="0" err="1"/>
+              <a:t>vorhin</a:t>
+            </a:r>
+            <a:r>
+              <a:rPr lang="en-US" dirty="0"/>
+              <a:t> </a:t>
+            </a:r>
+            <a:r>
+              <a:rPr lang="en-US" dirty="0" err="1"/>
+              <a:t>besprochen</a:t>
+            </a:r>
+            <a:r>
+              <a:rPr lang="en-US" dirty="0"/>
+              <a:t> </a:t>
+            </a:r>
+            <a:r>
+              <a:rPr lang="en-US" dirty="0" err="1"/>
+              <a:t>im</a:t>
+            </a:r>
+            <a:r>
+              <a:rPr lang="en-US" dirty="0"/>
+              <a:t> </a:t>
+            </a:r>
+            <a:r>
+              <a:rPr lang="en-US" dirty="0" err="1"/>
+              <a:t>Beispiel</a:t>
+            </a:r>
+            <a:r>
+              <a:rPr lang="en-US" dirty="0"/>
+              <a:t>.</a:t>
+            </a:r>
+          </a:p>
+        </p:txBody>
+      </p:sp>
+    </p:spTree>
+    <p:extLst>
+      <p:ext uri="{BB962C8B-B14F-4D97-AF65-F5344CB8AC3E}">
+        <p14:creationId xmlns:p14="http://schemas.microsoft.com/office/powerpoint/2010/main" val="3396906653"/>
+      </p:ext>
+    </p:extLst>
+  </p:cSld>
+  <p:clrMapOvr>
+    <a:masterClrMapping/>
+  </p:clrMapOvr>
+</p:sld>
+</file>
+
+<file path=ppt/slides/slide12.xml><?xml version="1.0" encoding="utf-8"?>
 <p:sld xmlns:a="http://schemas.openxmlformats.org/drawingml/2006/main" xmlns:r="http://schemas.openxmlformats.org/officeDocument/2006/relationships" xmlns:p="http://schemas.openxmlformats.org/presentationml/2006/main">
   <p:cSld>
     <p:spTree>
@@ -7478,7 +7720,19 @@
           <a:bodyPr/>
           <a:lstStyle/>
           <a:p>
-            <a:endParaRPr lang="en-US"/>
+            <a:r>
+              <a:rPr lang="en-US" dirty="0" err="1"/>
+              <a:t>Aktivitäten</a:t>
+            </a:r>
+            <a:r>
+              <a:rPr lang="en-US" dirty="0"/>
+              <a:t>/</a:t>
+            </a:r>
+            <a:r>
+              <a:rPr lang="en-US" dirty="0" err="1"/>
+              <a:t>Aktionen</a:t>
+            </a:r>
+            <a:endParaRPr lang="en-US" dirty="0"/>
           </a:p>
         </p:txBody>
       </p:sp>
@@ -9257,15 +9511,6 @@
 </file>
 
 <file path=customXml/item1.xml><?xml version="1.0" encoding="utf-8"?>
-<?mso-contentType ?>
-<FormTemplates xmlns="http://schemas.microsoft.com/sharepoint/v3/contenttype/forms">
-  <Display>DocumentLibraryForm</Display>
-  <Edit>DocumentLibraryForm</Edit>
-  <New>DocumentLibraryForm</New>
-</FormTemplates>
-</file>
-
-<file path=customXml/item2.xml><?xml version="1.0" encoding="utf-8"?>
 <ct:contentTypeSchema xmlns:ct="http://schemas.microsoft.com/office/2006/metadata/contentType" xmlns:ma="http://schemas.microsoft.com/office/2006/metadata/properties/metaAttributes" ct:_="" ma:_="" ma:contentTypeName="Document" ma:contentTypeID="0x01010079F111ED35F8CC479449609E8A0923A6" ma:contentTypeVersion="12" ma:contentTypeDescription="Create a new document." ma:contentTypeScope="" ma:versionID="a410dd7f93c95333ffa1b60ed6adedd1">
   <xsd:schema xmlns:xsd="http://www.w3.org/2001/XMLSchema" xmlns:xs="http://www.w3.org/2001/XMLSchema" xmlns:p="http://schemas.microsoft.com/office/2006/metadata/properties" xmlns:ns2="71af3243-3dd4-4a8d-8c0d-dd76da1f02a5" xmlns:ns3="16c05727-aa75-4e4a-9b5f-8a80a1165891" targetNamespace="http://schemas.microsoft.com/office/2006/metadata/properties" ma:root="true" ma:fieldsID="a936d9baba76aa3866493feff160faab" ns2:_="" ns3:_="">
     <xsd:import namespace="71af3243-3dd4-4a8d-8c0d-dd76da1f02a5"/>
@@ -9486,6 +9731,15 @@
 </ct:contentTypeSchema>
 </file>
 
+<file path=customXml/item2.xml><?xml version="1.0" encoding="utf-8"?>
+<?mso-contentType ?>
+<FormTemplates xmlns="http://schemas.microsoft.com/sharepoint/v3/contenttype/forms">
+  <Display>DocumentLibraryForm</Display>
+  <Edit>DocumentLibraryForm</Edit>
+  <New>DocumentLibraryForm</New>
+</FormTemplates>
+</file>
+
 <file path=customXml/item3.xml><?xml version="1.0" encoding="utf-8"?>
 <p:properties xmlns:p="http://schemas.microsoft.com/office/2006/metadata/properties" xmlns:xsi="http://www.w3.org/2001/XMLSchema-instance" xmlns:pc="http://schemas.microsoft.com/office/infopath/2007/PartnerControls">
   <documentManagement>
@@ -9496,14 +9750,6 @@
 </file>
 
 <file path=customXml/itemProps1.xml><?xml version="1.0" encoding="utf-8"?>
-<ds:datastoreItem xmlns:ds="http://schemas.openxmlformats.org/officeDocument/2006/customXml" ds:itemID="{64B270AB-C138-415C-897E-3C24487DECF1}">
-  <ds:schemaRefs>
-    <ds:schemaRef ds:uri="http://schemas.microsoft.com/sharepoint/v3/contenttype/forms"/>
-  </ds:schemaRefs>
-</ds:datastoreItem>
-</file>
-
-<file path=customXml/itemProps2.xml><?xml version="1.0" encoding="utf-8"?>
 <ds:datastoreItem xmlns:ds="http://schemas.openxmlformats.org/officeDocument/2006/customXml" ds:itemID="{0585E981-8C91-4205-A0C3-C991F42B4C9E}">
   <ds:schemaRefs>
     <ds:schemaRef ds:uri="http://schemas.microsoft.com/office/2006/metadata/contentType"/>
@@ -9522,6 +9768,14 @@
 </ds:datastoreItem>
 </file>
 
+<file path=customXml/itemProps2.xml><?xml version="1.0" encoding="utf-8"?>
+<ds:datastoreItem xmlns:ds="http://schemas.openxmlformats.org/officeDocument/2006/customXml" ds:itemID="{64B270AB-C138-415C-897E-3C24487DECF1}">
+  <ds:schemaRefs>
+    <ds:schemaRef ds:uri="http://schemas.microsoft.com/sharepoint/v3/contenttype/forms"/>
+  </ds:schemaRefs>
+</ds:datastoreItem>
+</file>
+
 <file path=customXml/itemProps3.xml><?xml version="1.0" encoding="utf-8"?>
 <ds:datastoreItem xmlns:ds="http://schemas.openxmlformats.org/officeDocument/2006/customXml" ds:itemID="{2C4C00F4-06E9-43E3-AD97-88A857CEFA82}">
   <ds:schemaRefs>
